--- a/Bai 25 Phan tich lien ket, HITS.pptx
+++ b/Bai 25 Phan tich lien ket, HITS.pptx
@@ -5,7 +5,7 @@
     <p:sldMasterId id="2147483652" r:id="rId1"/>
   </p:sldMasterIdLst>
   <p:notesMasterIdLst>
-    <p:notesMasterId r:id="rId20"/>
+    <p:notesMasterId r:id="rId21"/>
   </p:notesMasterIdLst>
   <p:sldIdLst>
     <p:sldId id="363" r:id="rId2"/>
@@ -25,7 +25,8 @@
     <p:sldId id="633" r:id="rId16"/>
     <p:sldId id="667" r:id="rId17"/>
     <p:sldId id="657" r:id="rId18"/>
-    <p:sldId id="658" r:id="rId19"/>
+    <p:sldId id="671" r:id="rId19"/>
+    <p:sldId id="658" r:id="rId20"/>
   </p:sldIdLst>
   <p:sldSz cx="9144000" cy="6858000" type="screen4x3"/>
   <p:notesSz cx="6858000" cy="9144000"/>
@@ -156,7 +157,7 @@
   </p:defaultTextStyle>
   <p:extLst>
     <p:ext uri="{EFAFB233-063F-42B5-8137-9DF3F51BA10A}">
-      <p15:sldGuideLst xmlns="" xmlns:p15="http://schemas.microsoft.com/office/powerpoint/2012/main">
+      <p15:sldGuideLst xmlns:p15="http://schemas.microsoft.com/office/powerpoint/2012/main" xmlns="">
         <p15:guide id="1" orient="horz" pos="2160">
           <p15:clr>
             <a:srgbClr val="A4A3A4"/>
@@ -170,7 +171,7 @@
       </p15:sldGuideLst>
     </p:ext>
     <p:ext uri="{2D200454-40CA-4A62-9FC3-DE9A4176ACB9}">
-      <p15:notesGuideLst xmlns="" xmlns:p15="http://schemas.microsoft.com/office/powerpoint/2012/main">
+      <p15:notesGuideLst xmlns:p15="http://schemas.microsoft.com/office/powerpoint/2012/main" xmlns="">
         <p15:guide id="1" orient="horz" pos="2880">
           <p15:clr>
             <a:srgbClr val="A4A3A4"/>
@@ -7603,11 +7604,7 @@
             <a:pPr algn="just"/>
             <a:r>
               <a:rPr lang="en-US" smtClean="0"/>
-              <a:t>Bài </a:t>
-            </a:r>
-            <a:r>
-              <a:rPr lang="en-US" smtClean="0"/>
-              <a:t>25. </a:t>
+              <a:t>Bài 25. </a:t>
             </a:r>
             <a:r>
               <a:rPr lang="en-US" dirty="0" err="1" smtClean="0"/>
@@ -8493,7 +8490,7 @@
           <a:graphicData uri="http://schemas.openxmlformats.org/presentationml/2006/ole">
             <mc:AlternateContent xmlns:mc="http://schemas.openxmlformats.org/markup-compatibility/2006">
               <mc:Choice xmlns:v="urn:schemas-microsoft-com:vml" Requires="v">
-                <p:oleObj spid="_x0000_s923682" name="Equation" r:id="rId3" imgW="1002865" imgH="355446" progId="Equation.DSMT4">
+                <p:oleObj spid="_x0000_s923692" name="Equation" r:id="rId3" imgW="1002865" imgH="355446" progId="Equation.DSMT4">
                   <p:embed/>
                 </p:oleObj>
               </mc:Choice>
@@ -8592,7 +8589,7 @@
           <a:graphicData uri="http://schemas.openxmlformats.org/presentationml/2006/ole">
             <mc:AlternateContent xmlns:mc="http://schemas.openxmlformats.org/markup-compatibility/2006">
               <mc:Choice xmlns:v="urn:schemas-microsoft-com:vml" Requires="v">
-                <p:oleObj spid="_x0000_s923683" name="Equation" r:id="rId5" imgW="1002865" imgH="355446" progId="Equation.3">
+                <p:oleObj spid="_x0000_s923693" name="Equation" r:id="rId5" imgW="1002865" imgH="355446" progId="Equation.3">
                   <p:embed/>
                 </p:oleObj>
               </mc:Choice>
@@ -14324,7 +14321,7 @@
           <a:graphicData uri="http://schemas.openxmlformats.org/presentationml/2006/ole">
             <mc:AlternateContent xmlns:mc="http://schemas.openxmlformats.org/markup-compatibility/2006">
               <mc:Choice xmlns:v="urn:schemas-microsoft-com:vml" Requires="v">
-                <p:oleObj spid="_x0000_s921868" name="Vergelijking" r:id="rId4" imgW="190440" imgH="139680" progId="Equation.3">
+                <p:oleObj spid="_x0000_s921948" name="Vergelijking" r:id="rId4" imgW="190440" imgH="139680" progId="Equation.3">
                   <p:embed/>
                 </p:oleObj>
               </mc:Choice>
@@ -14400,7 +14397,7 @@
           <a:graphicData uri="http://schemas.openxmlformats.org/presentationml/2006/ole">
             <mc:AlternateContent xmlns:mc="http://schemas.openxmlformats.org/markup-compatibility/2006">
               <mc:Choice xmlns:v="urn:schemas-microsoft-com:vml" Requires="v">
-                <p:oleObj spid="_x0000_s921869" name="Vergelijking" r:id="rId6" imgW="190440" imgH="139680" progId="Equation.3">
+                <p:oleObj spid="_x0000_s921949" name="Vergelijking" r:id="rId6" imgW="190440" imgH="139680" progId="Equation.3">
                   <p:embed/>
                 </p:oleObj>
               </mc:Choice>
@@ -14476,7 +14473,7 @@
           <a:graphicData uri="http://schemas.openxmlformats.org/presentationml/2006/ole">
             <mc:AlternateContent xmlns:mc="http://schemas.openxmlformats.org/markup-compatibility/2006">
               <mc:Choice xmlns:v="urn:schemas-microsoft-com:vml" Requires="v">
-                <p:oleObj spid="_x0000_s921870" name="Vergelijking" r:id="rId7" imgW="190440" imgH="139680" progId="Equation.3">
+                <p:oleObj spid="_x0000_s921950" name="Vergelijking" r:id="rId7" imgW="190440" imgH="139680" progId="Equation.3">
                   <p:embed/>
                 </p:oleObj>
               </mc:Choice>
@@ -14552,7 +14549,7 @@
           <a:graphicData uri="http://schemas.openxmlformats.org/presentationml/2006/ole">
             <mc:AlternateContent xmlns:mc="http://schemas.openxmlformats.org/markup-compatibility/2006">
               <mc:Choice xmlns:v="urn:schemas-microsoft-com:vml" Requires="v">
-                <p:oleObj spid="_x0000_s921871" name="Vergelijking" r:id="rId8" imgW="190440" imgH="139680" progId="Equation.3">
+                <p:oleObj spid="_x0000_s921951" name="Vergelijking" r:id="rId8" imgW="190440" imgH="139680" progId="Equation.3">
                   <p:embed/>
                 </p:oleObj>
               </mc:Choice>
@@ -14628,7 +14625,7 @@
           <a:graphicData uri="http://schemas.openxmlformats.org/presentationml/2006/ole">
             <mc:AlternateContent xmlns:mc="http://schemas.openxmlformats.org/markup-compatibility/2006">
               <mc:Choice xmlns:v="urn:schemas-microsoft-com:vml" Requires="v">
-                <p:oleObj spid="_x0000_s921872" name="Vergelijking" r:id="rId9" imgW="190440" imgH="139680" progId="Equation.3">
+                <p:oleObj spid="_x0000_s921952" name="Vergelijking" r:id="rId9" imgW="190440" imgH="139680" progId="Equation.3">
                   <p:embed/>
                 </p:oleObj>
               </mc:Choice>
@@ -14704,7 +14701,7 @@
           <a:graphicData uri="http://schemas.openxmlformats.org/presentationml/2006/ole">
             <mc:AlternateContent xmlns:mc="http://schemas.openxmlformats.org/markup-compatibility/2006">
               <mc:Choice xmlns:v="urn:schemas-microsoft-com:vml" Requires="v">
-                <p:oleObj spid="_x0000_s921873" name="Vergelijking" r:id="rId10" imgW="190440" imgH="139680" progId="Equation.3">
+                <p:oleObj spid="_x0000_s921953" name="Vergelijking" r:id="rId10" imgW="190440" imgH="139680" progId="Equation.3">
                   <p:embed/>
                 </p:oleObj>
               </mc:Choice>
@@ -14780,7 +14777,7 @@
           <a:graphicData uri="http://schemas.openxmlformats.org/presentationml/2006/ole">
             <mc:AlternateContent xmlns:mc="http://schemas.openxmlformats.org/markup-compatibility/2006">
               <mc:Choice xmlns:v="urn:schemas-microsoft-com:vml" Requires="v">
-                <p:oleObj spid="_x0000_s921874" name="Vergelijking" r:id="rId11" imgW="190440" imgH="139680" progId="Equation.3">
+                <p:oleObj spid="_x0000_s921954" name="Vergelijking" r:id="rId11" imgW="190440" imgH="139680" progId="Equation.3">
                   <p:embed/>
                 </p:oleObj>
               </mc:Choice>
@@ -14856,7 +14853,7 @@
           <a:graphicData uri="http://schemas.openxmlformats.org/presentationml/2006/ole">
             <mc:AlternateContent xmlns:mc="http://schemas.openxmlformats.org/markup-compatibility/2006">
               <mc:Choice xmlns:v="urn:schemas-microsoft-com:vml" Requires="v">
-                <p:oleObj spid="_x0000_s921875" name="Vergelijking" r:id="rId12" imgW="190440" imgH="139680" progId="Equation.3">
+                <p:oleObj spid="_x0000_s921955" name="Vergelijking" r:id="rId12" imgW="190440" imgH="139680" progId="Equation.3">
                   <p:embed/>
                 </p:oleObj>
               </mc:Choice>
@@ -14932,7 +14929,7 @@
           <a:graphicData uri="http://schemas.openxmlformats.org/presentationml/2006/ole">
             <mc:AlternateContent xmlns:mc="http://schemas.openxmlformats.org/markup-compatibility/2006">
               <mc:Choice xmlns:v="urn:schemas-microsoft-com:vml" Requires="v">
-                <p:oleObj spid="_x0000_s921876" name="Vergelijking" r:id="rId13" imgW="190440" imgH="139680" progId="Equation.3">
+                <p:oleObj spid="_x0000_s921956" name="Vergelijking" r:id="rId13" imgW="190440" imgH="139680" progId="Equation.3">
                   <p:embed/>
                 </p:oleObj>
               </mc:Choice>
@@ -15008,7 +15005,7 @@
           <a:graphicData uri="http://schemas.openxmlformats.org/presentationml/2006/ole">
             <mc:AlternateContent xmlns:mc="http://schemas.openxmlformats.org/markup-compatibility/2006">
               <mc:Choice xmlns:v="urn:schemas-microsoft-com:vml" Requires="v">
-                <p:oleObj spid="_x0000_s921877" name="Vergelijking" r:id="rId14" imgW="190440" imgH="139680" progId="Equation.3">
+                <p:oleObj spid="_x0000_s921957" name="Vergelijking" r:id="rId14" imgW="190440" imgH="139680" progId="Equation.3">
                   <p:embed/>
                 </p:oleObj>
               </mc:Choice>
@@ -15084,7 +15081,7 @@
           <a:graphicData uri="http://schemas.openxmlformats.org/presentationml/2006/ole">
             <mc:AlternateContent xmlns:mc="http://schemas.openxmlformats.org/markup-compatibility/2006">
               <mc:Choice xmlns:v="urn:schemas-microsoft-com:vml" Requires="v">
-                <p:oleObj spid="_x0000_s921878" name="Vergelijking" r:id="rId15" imgW="190440" imgH="139680" progId="Equation.3">
+                <p:oleObj spid="_x0000_s921958" name="Vergelijking" r:id="rId15" imgW="190440" imgH="139680" progId="Equation.3">
                   <p:embed/>
                 </p:oleObj>
               </mc:Choice>
@@ -15160,7 +15157,7 @@
           <a:graphicData uri="http://schemas.openxmlformats.org/presentationml/2006/ole">
             <mc:AlternateContent xmlns:mc="http://schemas.openxmlformats.org/markup-compatibility/2006">
               <mc:Choice xmlns:v="urn:schemas-microsoft-com:vml" Requires="v">
-                <p:oleObj spid="_x0000_s921879" name="Vergelijking" r:id="rId16" imgW="190440" imgH="139680" progId="Equation.3">
+                <p:oleObj spid="_x0000_s921959" name="Vergelijking" r:id="rId16" imgW="190440" imgH="139680" progId="Equation.3">
                   <p:embed/>
                 </p:oleObj>
               </mc:Choice>
@@ -15236,7 +15233,7 @@
           <a:graphicData uri="http://schemas.openxmlformats.org/presentationml/2006/ole">
             <mc:AlternateContent xmlns:mc="http://schemas.openxmlformats.org/markup-compatibility/2006">
               <mc:Choice xmlns:v="urn:schemas-microsoft-com:vml" Requires="v">
-                <p:oleObj spid="_x0000_s921880" name="Vergelijking" r:id="rId17" imgW="190440" imgH="139680" progId="Equation.3">
+                <p:oleObj spid="_x0000_s921960" name="Vergelijking" r:id="rId17" imgW="190440" imgH="139680" progId="Equation.3">
                   <p:embed/>
                 </p:oleObj>
               </mc:Choice>
@@ -15312,7 +15309,7 @@
           <a:graphicData uri="http://schemas.openxmlformats.org/presentationml/2006/ole">
             <mc:AlternateContent xmlns:mc="http://schemas.openxmlformats.org/markup-compatibility/2006">
               <mc:Choice xmlns:v="urn:schemas-microsoft-com:vml" Requires="v">
-                <p:oleObj spid="_x0000_s921881" name="Vergelijking" r:id="rId18" imgW="190440" imgH="139680" progId="Equation.3">
+                <p:oleObj spid="_x0000_s921961" name="Vergelijking" r:id="rId18" imgW="190440" imgH="139680" progId="Equation.3">
                   <p:embed/>
                 </p:oleObj>
               </mc:Choice>
@@ -15388,7 +15385,7 @@
           <a:graphicData uri="http://schemas.openxmlformats.org/presentationml/2006/ole">
             <mc:AlternateContent xmlns:mc="http://schemas.openxmlformats.org/markup-compatibility/2006">
               <mc:Choice xmlns:v="urn:schemas-microsoft-com:vml" Requires="v">
-                <p:oleObj spid="_x0000_s921882" name="Vergelijking" r:id="rId19" imgW="190440" imgH="139680" progId="Equation.3">
+                <p:oleObj spid="_x0000_s921962" name="Vergelijking" r:id="rId19" imgW="190440" imgH="139680" progId="Equation.3">
                   <p:embed/>
                 </p:oleObj>
               </mc:Choice>
@@ -15464,7 +15461,7 @@
           <a:graphicData uri="http://schemas.openxmlformats.org/presentationml/2006/ole">
             <mc:AlternateContent xmlns:mc="http://schemas.openxmlformats.org/markup-compatibility/2006">
               <mc:Choice xmlns:v="urn:schemas-microsoft-com:vml" Requires="v">
-                <p:oleObj spid="_x0000_s921883" name="Vergelijking" r:id="rId20" imgW="190440" imgH="139680" progId="Equation.3">
+                <p:oleObj spid="_x0000_s921963" name="Vergelijking" r:id="rId20" imgW="190440" imgH="139680" progId="Equation.3">
                   <p:embed/>
                 </p:oleObj>
               </mc:Choice>
@@ -16331,7 +16328,7 @@
           <a:graphicData uri="http://schemas.openxmlformats.org/presentationml/2006/ole">
             <mc:AlternateContent xmlns:mc="http://schemas.openxmlformats.org/markup-compatibility/2006">
               <mc:Choice xmlns:v="urn:schemas-microsoft-com:vml" Requires="v">
-                <p:oleObj spid="_x0000_s922862" name="Vergelijking" r:id="rId4" imgW="190440" imgH="139680" progId="Equation.3">
+                <p:oleObj spid="_x0000_s922892" name="Vergelijking" r:id="rId4" imgW="190440" imgH="139680" progId="Equation.3">
                   <p:embed/>
                 </p:oleObj>
               </mc:Choice>
@@ -16407,7 +16404,7 @@
           <a:graphicData uri="http://schemas.openxmlformats.org/presentationml/2006/ole">
             <mc:AlternateContent xmlns:mc="http://schemas.openxmlformats.org/markup-compatibility/2006">
               <mc:Choice xmlns:v="urn:schemas-microsoft-com:vml" Requires="v">
-                <p:oleObj spid="_x0000_s922863" name="Vergelijking" r:id="rId6" imgW="190440" imgH="139680" progId="Equation.3">
+                <p:oleObj spid="_x0000_s922893" name="Vergelijking" r:id="rId6" imgW="190440" imgH="139680" progId="Equation.3">
                   <p:embed/>
                 </p:oleObj>
               </mc:Choice>
@@ -16483,7 +16480,7 @@
           <a:graphicData uri="http://schemas.openxmlformats.org/presentationml/2006/ole">
             <mc:AlternateContent xmlns:mc="http://schemas.openxmlformats.org/markup-compatibility/2006">
               <mc:Choice xmlns:v="urn:schemas-microsoft-com:vml" Requires="v">
-                <p:oleObj spid="_x0000_s922864" name="Vergelijking" r:id="rId7" imgW="190440" imgH="139680" progId="Equation.3">
+                <p:oleObj spid="_x0000_s922894" name="Vergelijking" r:id="rId7" imgW="190440" imgH="139680" progId="Equation.3">
                   <p:embed/>
                 </p:oleObj>
               </mc:Choice>
@@ -16559,7 +16556,7 @@
           <a:graphicData uri="http://schemas.openxmlformats.org/presentationml/2006/ole">
             <mc:AlternateContent xmlns:mc="http://schemas.openxmlformats.org/markup-compatibility/2006">
               <mc:Choice xmlns:v="urn:schemas-microsoft-com:vml" Requires="v">
-                <p:oleObj spid="_x0000_s922865" name="Vergelijking" r:id="rId8" imgW="190440" imgH="139680" progId="Equation.3">
+                <p:oleObj spid="_x0000_s922895" name="Vergelijking" r:id="rId8" imgW="190440" imgH="139680" progId="Equation.3">
                   <p:embed/>
                 </p:oleObj>
               </mc:Choice>
@@ -16635,7 +16632,7 @@
           <a:graphicData uri="http://schemas.openxmlformats.org/presentationml/2006/ole">
             <mc:AlternateContent xmlns:mc="http://schemas.openxmlformats.org/markup-compatibility/2006">
               <mc:Choice xmlns:v="urn:schemas-microsoft-com:vml" Requires="v">
-                <p:oleObj spid="_x0000_s922866" name="Vergelijking" r:id="rId9" imgW="190440" imgH="139680" progId="Equation.3">
+                <p:oleObj spid="_x0000_s922896" name="Vergelijking" r:id="rId9" imgW="190440" imgH="139680" progId="Equation.3">
                   <p:embed/>
                 </p:oleObj>
               </mc:Choice>
@@ -16711,7 +16708,7 @@
           <a:graphicData uri="http://schemas.openxmlformats.org/presentationml/2006/ole">
             <mc:AlternateContent xmlns:mc="http://schemas.openxmlformats.org/markup-compatibility/2006">
               <mc:Choice xmlns:v="urn:schemas-microsoft-com:vml" Requires="v">
-                <p:oleObj spid="_x0000_s922867" name="Vergelijking" r:id="rId10" imgW="190440" imgH="139680" progId="Equation.3">
+                <p:oleObj spid="_x0000_s922897" name="Vergelijking" r:id="rId10" imgW="190440" imgH="139680" progId="Equation.3">
                   <p:embed/>
                 </p:oleObj>
               </mc:Choice>
@@ -17615,6 +17612,878 @@
           <a:chExt cx="0" cy="0"/>
         </a:xfrm>
       </p:grpSpPr>
+      <p:pic>
+        <p:nvPicPr>
+          <p:cNvPr id="924674" name="Picture 2"/>
+          <p:cNvPicPr>
+            <a:picLocks noChangeAspect="1" noChangeArrowheads="1"/>
+          </p:cNvPicPr>
+          <p:nvPr/>
+        </p:nvPicPr>
+        <p:blipFill>
+          <a:blip r:embed="rId2">
+            <a:extLst>
+              <a:ext uri="{28A0092B-C50C-407E-A947-70E740481C1C}">
+                <a14:useLocalDpi xmlns:a14="http://schemas.microsoft.com/office/drawing/2010/main" val="0"/>
+              </a:ext>
+            </a:extLst>
+          </a:blip>
+          <a:srcRect/>
+          <a:stretch>
+            <a:fillRect/>
+          </a:stretch>
+        </p:blipFill>
+        <p:spPr bwMode="auto">
+          <a:xfrm>
+            <a:off x="3203848" y="1988840"/>
+            <a:ext cx="3609975" cy="1838325"/>
+          </a:xfrm>
+          <a:prstGeom prst="rect">
+            <a:avLst/>
+          </a:prstGeom>
+          <a:noFill/>
+          <a:ln>
+            <a:noFill/>
+          </a:ln>
+          <a:effectLst/>
+          <a:extLst>
+            <a:ext uri="{909E8E84-426E-40DD-AFC4-6F175D3DCCD1}">
+              <a14:hiddenFill xmlns:a14="http://schemas.microsoft.com/office/drawing/2010/main">
+                <a:solidFill>
+                  <a:schemeClr val="accent1"/>
+                </a:solidFill>
+              </a14:hiddenFill>
+            </a:ext>
+            <a:ext uri="{91240B29-F687-4F45-9708-019B960494DF}">
+              <a14:hiddenLine xmlns:a14="http://schemas.microsoft.com/office/drawing/2010/main" w="9525">
+                <a:solidFill>
+                  <a:schemeClr val="tx1"/>
+                </a:solidFill>
+                <a:miter lim="800000"/>
+                <a:headEnd/>
+                <a:tailEnd/>
+              </a14:hiddenLine>
+            </a:ext>
+            <a:ext uri="{AF507438-7753-43E0-B8FC-AC1667EBCBE1}">
+              <a14:hiddenEffects xmlns:a14="http://schemas.microsoft.com/office/drawing/2010/main">
+                <a:effectLst>
+                  <a:outerShdw dist="35921" dir="2700000" algn="ctr" rotWithShape="0">
+                    <a:schemeClr val="bg2"/>
+                  </a:outerShdw>
+                </a:effectLst>
+              </a14:hiddenEffects>
+            </a:ext>
+          </a:extLst>
+        </p:spPr>
+      </p:pic>
+      <p:sp>
+        <p:nvSpPr>
+          <p:cNvPr id="11" name="Slide Number Placeholder 5"/>
+          <p:cNvSpPr>
+            <a:spLocks noGrp="1"/>
+          </p:cNvSpPr>
+          <p:nvPr>
+            <p:ph type="sldNum" sz="quarter" idx="12"/>
+          </p:nvPr>
+        </p:nvSpPr>
+        <p:spPr/>
+        <p:txBody>
+          <a:bodyPr/>
+          <a:lstStyle/>
+          <a:p>
+            <a:fld id="{66F4B850-E5B5-4FA2-BE91-864D74BFEBA0}" type="slidenum">
+              <a:rPr lang="vi-VN"/>
+              <a:pPr/>
+              <a:t>18</a:t>
+            </a:fld>
+            <a:endParaRPr lang="vi-VN"/>
+          </a:p>
+        </p:txBody>
+      </p:sp>
+      <p:sp>
+        <p:nvSpPr>
+          <p:cNvPr id="844802" name="Rectangle 2"/>
+          <p:cNvSpPr>
+            <a:spLocks noGrp="1" noChangeArrowheads="1"/>
+          </p:cNvSpPr>
+          <p:nvPr>
+            <p:ph type="title"/>
+          </p:nvPr>
+        </p:nvSpPr>
+        <p:spPr/>
+        <p:txBody>
+          <a:bodyPr/>
+          <a:lstStyle/>
+          <a:p>
+            <a:r>
+              <a:rPr lang="en-US" dirty="0" err="1" smtClean="0"/>
+              <a:t>Bài</a:t>
+            </a:r>
+            <a:r>
+              <a:rPr lang="en-US" dirty="0" smtClean="0"/>
+              <a:t> </a:t>
+            </a:r>
+            <a:r>
+              <a:rPr lang="en-US" dirty="0" err="1" smtClean="0"/>
+              <a:t>tập</a:t>
+            </a:r>
+            <a:r>
+              <a:rPr lang="en-US" dirty="0" smtClean="0"/>
+              <a:t> </a:t>
+            </a:r>
+            <a:r>
+              <a:rPr lang="en-US" dirty="0" smtClean="0"/>
+              <a:t>25.1</a:t>
+            </a:r>
+            <a:endParaRPr lang="vi-VN" dirty="0"/>
+          </a:p>
+        </p:txBody>
+      </p:sp>
+      <p:sp>
+        <p:nvSpPr>
+          <p:cNvPr id="5" name="Rectangle 3"/>
+          <p:cNvSpPr txBox="1">
+            <a:spLocks noChangeArrowheads="1"/>
+          </p:cNvSpPr>
+          <p:nvPr/>
+        </p:nvSpPr>
+        <p:spPr bwMode="auto">
+          <a:xfrm>
+            <a:off x="611560" y="2089820"/>
+            <a:ext cx="8352928" cy="4611018"/>
+          </a:xfrm>
+          <a:prstGeom prst="rect">
+            <a:avLst/>
+          </a:prstGeom>
+          <a:noFill/>
+          <a:ln>
+            <a:noFill/>
+          </a:ln>
+          <a:effectLst/>
+          <a:extLst>
+            <a:ext uri="{909E8E84-426E-40DD-AFC4-6F175D3DCCD1}">
+              <a14:hiddenFill xmlns:a14="http://schemas.microsoft.com/office/drawing/2010/main">
+                <a:solidFill>
+                  <a:schemeClr val="accent1"/>
+                </a:solidFill>
+              </a14:hiddenFill>
+            </a:ext>
+            <a:ext uri="{91240B29-F687-4F45-9708-019B960494DF}">
+              <a14:hiddenLine xmlns:a14="http://schemas.microsoft.com/office/drawing/2010/main" w="9525">
+                <a:solidFill>
+                  <a:schemeClr val="tx1"/>
+                </a:solidFill>
+                <a:miter lim="800000"/>
+                <a:headEnd/>
+                <a:tailEnd/>
+              </a14:hiddenLine>
+            </a:ext>
+            <a:ext uri="{AF507438-7753-43E0-B8FC-AC1667EBCBE1}">
+              <a14:hiddenEffects xmlns:a14="http://schemas.microsoft.com/office/drawing/2010/main">
+                <a:effectLst>
+                  <a:outerShdw dist="35921" dir="2700000" algn="ctr" rotWithShape="0">
+                    <a:schemeClr val="bg2"/>
+                  </a:outerShdw>
+                </a:effectLst>
+              </a14:hiddenEffects>
+            </a:ext>
+          </a:extLst>
+        </p:spPr>
+        <p:txBody>
+          <a:bodyPr vert="horz" wrap="square" lIns="91440" tIns="45720" rIns="91440" bIns="45720" numCol="1" anchor="t" anchorCtr="0" compatLnSpc="1">
+            <a:prstTxWarp prst="textNoShape">
+              <a:avLst/>
+            </a:prstTxWarp>
+          </a:bodyPr>
+          <a:lstStyle>
+            <a:lvl1pPr marL="342900" indent="-342900" algn="l" rtl="0" fontAlgn="base">
+              <a:spcBef>
+                <a:spcPct val="20000"/>
+              </a:spcBef>
+              <a:spcAft>
+                <a:spcPct val="0"/>
+              </a:spcAft>
+              <a:buClr>
+                <a:schemeClr val="folHlink"/>
+              </a:buClr>
+              <a:buSzPct val="60000"/>
+              <a:buFont typeface="Wingdings" panose="05000000000000000000" pitchFamily="2" charset="2"/>
+              <a:buChar char="n"/>
+              <a:defRPr sz="2800" kern="1200">
+                <a:solidFill>
+                  <a:schemeClr val="tx1"/>
+                </a:solidFill>
+                <a:latin typeface="+mn-lt"/>
+                <a:ea typeface="+mn-ea"/>
+                <a:cs typeface="+mn-cs"/>
+              </a:defRPr>
+            </a:lvl1pPr>
+            <a:lvl2pPr marL="742950" indent="-285750" algn="l" rtl="0" fontAlgn="base">
+              <a:spcBef>
+                <a:spcPct val="20000"/>
+              </a:spcBef>
+              <a:spcAft>
+                <a:spcPct val="0"/>
+              </a:spcAft>
+              <a:buClr>
+                <a:schemeClr val="hlink"/>
+              </a:buClr>
+              <a:buSzPct val="55000"/>
+              <a:buFont typeface="Wingdings" panose="05000000000000000000" pitchFamily="2" charset="2"/>
+              <a:buChar char="n"/>
+              <a:defRPr sz="2400" kern="1200">
+                <a:solidFill>
+                  <a:schemeClr val="tx1"/>
+                </a:solidFill>
+                <a:latin typeface="+mn-lt"/>
+                <a:ea typeface="+mn-ea"/>
+                <a:cs typeface="+mn-cs"/>
+              </a:defRPr>
+            </a:lvl2pPr>
+            <a:lvl3pPr marL="1143000" indent="-228600" algn="l" rtl="0" fontAlgn="base">
+              <a:spcBef>
+                <a:spcPct val="20000"/>
+              </a:spcBef>
+              <a:spcAft>
+                <a:spcPct val="0"/>
+              </a:spcAft>
+              <a:buClr>
+                <a:schemeClr val="folHlink"/>
+              </a:buClr>
+              <a:buSzPct val="50000"/>
+              <a:buFont typeface="Wingdings" panose="05000000000000000000" pitchFamily="2" charset="2"/>
+              <a:buChar char="n"/>
+              <a:defRPr sz="2000" kern="1200">
+                <a:solidFill>
+                  <a:schemeClr val="tx1"/>
+                </a:solidFill>
+                <a:latin typeface="+mn-lt"/>
+                <a:ea typeface="+mn-ea"/>
+                <a:cs typeface="+mn-cs"/>
+              </a:defRPr>
+            </a:lvl3pPr>
+            <a:lvl4pPr marL="1600200" indent="-228600" algn="l" rtl="0" fontAlgn="base">
+              <a:spcBef>
+                <a:spcPct val="20000"/>
+              </a:spcBef>
+              <a:spcAft>
+                <a:spcPct val="0"/>
+              </a:spcAft>
+              <a:buClr>
+                <a:schemeClr val="accent2"/>
+              </a:buClr>
+              <a:buSzPct val="55000"/>
+              <a:buFont typeface="Wingdings" panose="05000000000000000000" pitchFamily="2" charset="2"/>
+              <a:buChar char="n"/>
+              <a:defRPr kern="1200">
+                <a:solidFill>
+                  <a:schemeClr val="tx1"/>
+                </a:solidFill>
+                <a:latin typeface="+mn-lt"/>
+                <a:ea typeface="+mn-ea"/>
+                <a:cs typeface="+mn-cs"/>
+              </a:defRPr>
+            </a:lvl4pPr>
+            <a:lvl5pPr marL="2057400" indent="-228600" algn="l" rtl="0" fontAlgn="base">
+              <a:spcBef>
+                <a:spcPct val="20000"/>
+              </a:spcBef>
+              <a:spcAft>
+                <a:spcPct val="0"/>
+              </a:spcAft>
+              <a:buClr>
+                <a:schemeClr val="accent1"/>
+              </a:buClr>
+              <a:buSzPct val="50000"/>
+              <a:buFont typeface="Wingdings" panose="05000000000000000000" pitchFamily="2" charset="2"/>
+              <a:buChar char="n"/>
+              <a:defRPr sz="1600" kern="1200">
+                <a:solidFill>
+                  <a:schemeClr val="tx1"/>
+                </a:solidFill>
+                <a:latin typeface="+mn-lt"/>
+                <a:ea typeface="+mn-ea"/>
+                <a:cs typeface="+mn-cs"/>
+              </a:defRPr>
+            </a:lvl5pPr>
+            <a:lvl6pPr marL="2514600" indent="-228600" algn="l" defTabSz="914400" rtl="0" eaLnBrk="1" latinLnBrk="0" hangingPunct="1">
+              <a:lnSpc>
+                <a:spcPct val="90000"/>
+              </a:lnSpc>
+              <a:spcBef>
+                <a:spcPts val="500"/>
+              </a:spcBef>
+              <a:buFont typeface="Arial" panose="020B0604020202020204" pitchFamily="34" charset="0"/>
+              <a:buChar char="•"/>
+              <a:defRPr sz="1800" kern="1200">
+                <a:solidFill>
+                  <a:schemeClr val="tx1"/>
+                </a:solidFill>
+                <a:latin typeface="+mn-lt"/>
+                <a:ea typeface="+mn-ea"/>
+                <a:cs typeface="+mn-cs"/>
+              </a:defRPr>
+            </a:lvl6pPr>
+            <a:lvl7pPr marL="2971800" indent="-228600" algn="l" defTabSz="914400" rtl="0" eaLnBrk="1" latinLnBrk="0" hangingPunct="1">
+              <a:lnSpc>
+                <a:spcPct val="90000"/>
+              </a:lnSpc>
+              <a:spcBef>
+                <a:spcPts val="500"/>
+              </a:spcBef>
+              <a:buFont typeface="Arial" panose="020B0604020202020204" pitchFamily="34" charset="0"/>
+              <a:buChar char="•"/>
+              <a:defRPr sz="1800" kern="1200">
+                <a:solidFill>
+                  <a:schemeClr val="tx1"/>
+                </a:solidFill>
+                <a:latin typeface="+mn-lt"/>
+                <a:ea typeface="+mn-ea"/>
+                <a:cs typeface="+mn-cs"/>
+              </a:defRPr>
+            </a:lvl7pPr>
+            <a:lvl8pPr marL="3429000" indent="-228600" algn="l" defTabSz="914400" rtl="0" eaLnBrk="1" latinLnBrk="0" hangingPunct="1">
+              <a:lnSpc>
+                <a:spcPct val="90000"/>
+              </a:lnSpc>
+              <a:spcBef>
+                <a:spcPts val="500"/>
+              </a:spcBef>
+              <a:buFont typeface="Arial" panose="020B0604020202020204" pitchFamily="34" charset="0"/>
+              <a:buChar char="•"/>
+              <a:defRPr sz="1800" kern="1200">
+                <a:solidFill>
+                  <a:schemeClr val="tx1"/>
+                </a:solidFill>
+                <a:latin typeface="+mn-lt"/>
+                <a:ea typeface="+mn-ea"/>
+                <a:cs typeface="+mn-cs"/>
+              </a:defRPr>
+            </a:lvl8pPr>
+            <a:lvl9pPr marL="3886200" indent="-228600" algn="l" defTabSz="914400" rtl="0" eaLnBrk="1" latinLnBrk="0" hangingPunct="1">
+              <a:lnSpc>
+                <a:spcPct val="90000"/>
+              </a:lnSpc>
+              <a:spcBef>
+                <a:spcPts val="500"/>
+              </a:spcBef>
+              <a:buFont typeface="Arial" panose="020B0604020202020204" pitchFamily="34" charset="0"/>
+              <a:buChar char="•"/>
+              <a:defRPr sz="1800" kern="1200">
+                <a:solidFill>
+                  <a:schemeClr val="tx1"/>
+                </a:solidFill>
+                <a:latin typeface="+mn-lt"/>
+                <a:ea typeface="+mn-ea"/>
+                <a:cs typeface="+mn-cs"/>
+              </a:defRPr>
+            </a:lvl9pPr>
+          </a:lstStyle>
+          <a:p>
+            <a:pPr marL="0" indent="0" algn="just">
+              <a:buNone/>
+            </a:pPr>
+            <a:r>
+              <a:rPr lang="en-US" sz="2400" dirty="0" smtClean="0"/>
+              <a:t>Cho </a:t>
+            </a:r>
+            <a:r>
+              <a:rPr lang="en-US" sz="2400" dirty="0" err="1" smtClean="0"/>
+              <a:t>đồ</a:t>
+            </a:r>
+            <a:r>
+              <a:rPr lang="en-US" sz="2400" dirty="0" smtClean="0"/>
+              <a:t> </a:t>
+            </a:r>
+            <a:r>
+              <a:rPr lang="en-US" sz="2400" dirty="0" err="1" smtClean="0"/>
+              <a:t>thị</a:t>
+            </a:r>
+            <a:r>
+              <a:rPr lang="en-US" sz="2400" dirty="0" smtClean="0"/>
+              <a:t>:</a:t>
+            </a:r>
+          </a:p>
+          <a:p>
+            <a:pPr marL="0" indent="0" algn="just">
+              <a:buNone/>
+            </a:pPr>
+            <a:r>
+              <a:rPr lang="en-US" sz="2400" dirty="0" err="1" smtClean="0"/>
+              <a:t>Hãy</a:t>
+            </a:r>
+            <a:r>
+              <a:rPr lang="en-US" sz="2400" dirty="0" smtClean="0"/>
+              <a:t> </a:t>
+            </a:r>
+            <a:r>
+              <a:rPr lang="en-US" sz="2400" dirty="0" err="1" smtClean="0"/>
+              <a:t>tính</a:t>
+            </a:r>
+            <a:r>
+              <a:rPr lang="en-US" sz="2400" dirty="0" smtClean="0"/>
+              <a:t> PageRank,</a:t>
+            </a:r>
+          </a:p>
+          <a:p>
+            <a:pPr marL="0" indent="0" algn="just">
+              <a:buNone/>
+            </a:pPr>
+            <a:r>
+              <a:rPr lang="en-US" sz="2400" dirty="0" smtClean="0"/>
+              <a:t>Hub, Authority </a:t>
+            </a:r>
+            <a:r>
+              <a:rPr lang="en-US" sz="2400" dirty="0" err="1" smtClean="0"/>
+              <a:t>cho</a:t>
+            </a:r>
+            <a:r>
+              <a:rPr lang="en-US" sz="2400" dirty="0" smtClean="0"/>
+              <a:t> </a:t>
+            </a:r>
+            <a:r>
+              <a:rPr lang="en-US" sz="2400" dirty="0" err="1" smtClean="0"/>
+              <a:t>ba</a:t>
+            </a:r>
+            <a:r>
+              <a:rPr lang="en-US" sz="2400" dirty="0" smtClean="0"/>
+              <a:t> </a:t>
+            </a:r>
+            <a:r>
+              <a:rPr lang="en-US" sz="2400" dirty="0" err="1" smtClean="0"/>
+              <a:t>đỉnh</a:t>
+            </a:r>
+            <a:endParaRPr lang="en-US" sz="2400" dirty="0" smtClean="0"/>
+          </a:p>
+          <a:p>
+            <a:pPr marL="0" indent="0" algn="just">
+              <a:buNone/>
+            </a:pPr>
+            <a:r>
+              <a:rPr lang="en-US" sz="2400" dirty="0" err="1" smtClean="0"/>
+              <a:t>của</a:t>
+            </a:r>
+            <a:r>
+              <a:rPr lang="en-US" sz="2400" dirty="0" smtClean="0"/>
+              <a:t> </a:t>
+            </a:r>
+            <a:r>
+              <a:rPr lang="en-US" sz="2400" dirty="0" err="1" smtClean="0"/>
+              <a:t>đồ</a:t>
+            </a:r>
+            <a:r>
+              <a:rPr lang="en-US" sz="2400" dirty="0" smtClean="0"/>
+              <a:t> </a:t>
+            </a:r>
+            <a:r>
+              <a:rPr lang="en-US" sz="2400" dirty="0" err="1" smtClean="0"/>
+              <a:t>thị</a:t>
+            </a:r>
+            <a:r>
+              <a:rPr lang="en-US" sz="2400" dirty="0" smtClean="0"/>
+              <a:t> </a:t>
+            </a:r>
+            <a:r>
+              <a:rPr lang="en-US" sz="2400" dirty="0" err="1" smtClean="0"/>
+              <a:t>này</a:t>
+            </a:r>
+            <a:r>
+              <a:rPr lang="en-US" sz="2400" dirty="0" smtClean="0"/>
+              <a:t>, </a:t>
+            </a:r>
+            <a:r>
+              <a:rPr lang="en-US" sz="2400" dirty="0" err="1" smtClean="0"/>
+              <a:t>và</a:t>
+            </a:r>
+            <a:r>
+              <a:rPr lang="en-US" sz="2400" dirty="0" smtClean="0"/>
+              <a:t> </a:t>
+            </a:r>
+            <a:r>
+              <a:rPr lang="en-US" sz="2400" dirty="0" err="1" smtClean="0"/>
+              <a:t>xếp</a:t>
+            </a:r>
+            <a:r>
+              <a:rPr lang="en-US" sz="2400" dirty="0" smtClean="0"/>
+              <a:t> </a:t>
+            </a:r>
+            <a:r>
+              <a:rPr lang="en-US" sz="2400" dirty="0" err="1" smtClean="0"/>
+              <a:t>hạng</a:t>
+            </a:r>
+            <a:endParaRPr lang="en-US" sz="2400" dirty="0" smtClean="0"/>
+          </a:p>
+          <a:p>
+            <a:pPr marL="0" indent="0" algn="just">
+              <a:buNone/>
+            </a:pPr>
+            <a:r>
+              <a:rPr lang="en-US" sz="2400" dirty="0" err="1" smtClean="0"/>
+              <a:t>các</a:t>
+            </a:r>
+            <a:r>
+              <a:rPr lang="en-US" sz="2400" dirty="0" smtClean="0"/>
+              <a:t> </a:t>
+            </a:r>
+            <a:r>
+              <a:rPr lang="en-US" sz="2400" dirty="0" err="1" smtClean="0"/>
+              <a:t>đỉnh</a:t>
+            </a:r>
+            <a:r>
+              <a:rPr lang="en-US" sz="2400" dirty="0" smtClean="0"/>
+              <a:t> </a:t>
+            </a:r>
+            <a:r>
+              <a:rPr lang="en-US" sz="2400" dirty="0" err="1" smtClean="0"/>
+              <a:t>theo</a:t>
+            </a:r>
+            <a:r>
+              <a:rPr lang="en-US" sz="2400" dirty="0" smtClean="0"/>
+              <a:t> </a:t>
+            </a:r>
+            <a:r>
+              <a:rPr lang="en-US" sz="2400" dirty="0" err="1" smtClean="0"/>
+              <a:t>cá</a:t>
+            </a:r>
+            <a:r>
+              <a:rPr lang="en-US" sz="2400" dirty="0" err="1" smtClean="0"/>
+              <a:t>c</a:t>
+            </a:r>
+            <a:r>
+              <a:rPr lang="en-US" sz="2400" dirty="0" smtClean="0"/>
+              <a:t> </a:t>
+            </a:r>
+            <a:r>
+              <a:rPr lang="en-US" sz="2400" dirty="0" err="1" smtClean="0"/>
+              <a:t>tiêu</a:t>
+            </a:r>
+            <a:r>
+              <a:rPr lang="en-US" sz="2400" dirty="0" smtClean="0"/>
+              <a:t> </a:t>
+            </a:r>
+            <a:r>
+              <a:rPr lang="en-US" sz="2400" dirty="0" err="1" smtClean="0"/>
+              <a:t>trí</a:t>
+            </a:r>
+            <a:r>
+              <a:rPr lang="en-US" sz="2400" dirty="0" smtClean="0"/>
+              <a:t> </a:t>
+            </a:r>
+            <a:r>
+              <a:rPr lang="en-US" sz="2400" dirty="0" err="1" smtClean="0"/>
+              <a:t>tính</a:t>
+            </a:r>
+            <a:r>
+              <a:rPr lang="en-US" sz="2400" dirty="0" smtClean="0"/>
+              <a:t> </a:t>
+            </a:r>
+            <a:r>
+              <a:rPr lang="en-US" sz="2400" dirty="0" err="1" smtClean="0"/>
+              <a:t>được</a:t>
+            </a:r>
+            <a:r>
+              <a:rPr lang="en-US" sz="2400" dirty="0" smtClean="0"/>
+              <a:t>, </a:t>
+            </a:r>
+            <a:r>
+              <a:rPr lang="en-US" sz="2400" dirty="0" err="1" smtClean="0"/>
+              <a:t>ghi</a:t>
+            </a:r>
+            <a:r>
+              <a:rPr lang="en-US" sz="2400" dirty="0" smtClean="0"/>
+              <a:t> </a:t>
+            </a:r>
+            <a:r>
+              <a:rPr lang="en-US" sz="2400" dirty="0" err="1" smtClean="0"/>
+              <a:t>chú</a:t>
+            </a:r>
+            <a:r>
+              <a:rPr lang="en-US" sz="2400" dirty="0" smtClean="0"/>
+              <a:t> </a:t>
+            </a:r>
+            <a:r>
+              <a:rPr lang="en-US" sz="2400" dirty="0" err="1" smtClean="0"/>
+              <a:t>các</a:t>
+            </a:r>
+            <a:r>
+              <a:rPr lang="en-US" sz="2400" dirty="0" smtClean="0"/>
+              <a:t> </a:t>
+            </a:r>
+            <a:r>
+              <a:rPr lang="en-US" sz="2400" dirty="0" err="1" smtClean="0"/>
+              <a:t>đỉnh</a:t>
+            </a:r>
+            <a:r>
+              <a:rPr lang="en-US" sz="2400" dirty="0" smtClean="0"/>
+              <a:t> </a:t>
+            </a:r>
+            <a:r>
+              <a:rPr lang="en-US" sz="2400" dirty="0" err="1" smtClean="0"/>
+              <a:t>đồng</a:t>
+            </a:r>
+            <a:r>
+              <a:rPr lang="en-US" sz="2400" dirty="0" smtClean="0"/>
+              <a:t> </a:t>
+            </a:r>
+            <a:r>
+              <a:rPr lang="en-US" sz="2400" dirty="0" err="1" smtClean="0"/>
+              <a:t>hạng</a:t>
+            </a:r>
+            <a:r>
+              <a:rPr lang="en-US" sz="2400" dirty="0" smtClean="0"/>
+              <a:t>.</a:t>
+            </a:r>
+          </a:p>
+          <a:p>
+            <a:pPr marL="0" indent="0" algn="just">
+              <a:buNone/>
+            </a:pPr>
+            <a:r>
+              <a:rPr lang="en-US" sz="2400" dirty="0" smtClean="0"/>
+              <a:t>PageRank: Theo </a:t>
+            </a:r>
+            <a:r>
+              <a:rPr lang="en-US" sz="2400" dirty="0" err="1" smtClean="0"/>
+              <a:t>mô</a:t>
+            </a:r>
+            <a:r>
+              <a:rPr lang="en-US" sz="2400" dirty="0" smtClean="0"/>
+              <a:t> </a:t>
+            </a:r>
+            <a:r>
+              <a:rPr lang="en-US" sz="2400" dirty="0" err="1" smtClean="0"/>
+              <a:t>hình</a:t>
+            </a:r>
+            <a:r>
+              <a:rPr lang="en-US" sz="2400" dirty="0" smtClean="0"/>
+              <a:t> </a:t>
+            </a:r>
+            <a:r>
+              <a:rPr lang="en-US" sz="2400" dirty="0" err="1" smtClean="0"/>
+              <a:t>duyệt</a:t>
+            </a:r>
+            <a:r>
+              <a:rPr lang="en-US" sz="2400" dirty="0" smtClean="0"/>
+              <a:t> web </a:t>
+            </a:r>
+            <a:r>
+              <a:rPr lang="en-US" sz="2400" dirty="0" err="1" smtClean="0"/>
+              <a:t>ngẫu</a:t>
+            </a:r>
+            <a:r>
+              <a:rPr lang="en-US" sz="2400" dirty="0" smtClean="0"/>
+              <a:t> </a:t>
+            </a:r>
+            <a:r>
+              <a:rPr lang="en-US" sz="2400" dirty="0" err="1" smtClean="0"/>
+              <a:t>nhiên</a:t>
+            </a:r>
+            <a:r>
+              <a:rPr lang="en-US" sz="2400" dirty="0" smtClean="0"/>
+              <a:t> </a:t>
+            </a:r>
+            <a:r>
+              <a:rPr lang="en-US" sz="2400" dirty="0" err="1" smtClean="0"/>
+              <a:t>với</a:t>
+            </a:r>
+            <a:r>
+              <a:rPr lang="en-US" sz="2400" dirty="0" smtClean="0"/>
+              <a:t> </a:t>
+            </a:r>
+            <a:r>
+              <a:rPr lang="en-US" sz="2400" dirty="0" err="1" smtClean="0"/>
+              <a:t>bước</a:t>
+            </a:r>
+            <a:r>
+              <a:rPr lang="en-US" sz="2400" dirty="0" smtClean="0"/>
+              <a:t> </a:t>
+            </a:r>
+            <a:r>
+              <a:rPr lang="en-US" sz="2400" dirty="0" err="1" smtClean="0"/>
+              <a:t>nhảy</a:t>
+            </a:r>
+            <a:r>
+              <a:rPr lang="en-US" sz="2400" dirty="0" smtClean="0"/>
+              <a:t>. </a:t>
+            </a:r>
+            <a:r>
+              <a:rPr lang="en-US" sz="2400" dirty="0" err="1" smtClean="0"/>
+              <a:t>Xác</a:t>
+            </a:r>
+            <a:r>
+              <a:rPr lang="en-US" sz="2400" dirty="0" smtClean="0"/>
+              <a:t> </a:t>
+            </a:r>
+            <a:r>
+              <a:rPr lang="en-US" sz="2400" dirty="0" err="1" smtClean="0"/>
+              <a:t>suất</a:t>
+            </a:r>
+            <a:r>
+              <a:rPr lang="en-US" sz="2400" dirty="0" smtClean="0"/>
+              <a:t> </a:t>
+            </a:r>
+            <a:r>
+              <a:rPr lang="en-US" sz="2400" dirty="0" err="1" smtClean="0"/>
+              <a:t>nhảy</a:t>
+            </a:r>
+            <a:r>
+              <a:rPr lang="en-US" sz="2400" dirty="0" smtClean="0"/>
+              <a:t> </a:t>
+            </a:r>
+            <a:r>
+              <a:rPr lang="en-US" sz="2400" dirty="0" err="1" smtClean="0"/>
+              <a:t>bằng</a:t>
+            </a:r>
+            <a:r>
+              <a:rPr lang="en-US" sz="2400" dirty="0" smtClean="0"/>
+              <a:t> 0.1</a:t>
+            </a:r>
+          </a:p>
+          <a:p>
+            <a:pPr marL="0" indent="0" algn="just">
+              <a:buNone/>
+            </a:pPr>
+            <a:r>
+              <a:rPr lang="en-US" sz="2400" dirty="0" smtClean="0"/>
+              <a:t>Hub/Authority: </a:t>
+            </a:r>
+            <a:r>
+              <a:rPr lang="en-US" sz="2400" dirty="0" err="1" smtClean="0"/>
+              <a:t>Chuẩn</a:t>
+            </a:r>
+            <a:r>
+              <a:rPr lang="en-US" sz="2400" dirty="0" smtClean="0"/>
+              <a:t> </a:t>
+            </a:r>
+            <a:r>
+              <a:rPr lang="en-US" sz="2400" dirty="0" err="1" smtClean="0"/>
+              <a:t>hóa</a:t>
+            </a:r>
+            <a:r>
+              <a:rPr lang="en-US" sz="2400" dirty="0" smtClean="0"/>
+              <a:t> </a:t>
+            </a:r>
+            <a:r>
+              <a:rPr lang="en-US" sz="2400" dirty="0" err="1" smtClean="0"/>
+              <a:t>các</a:t>
+            </a:r>
+            <a:r>
+              <a:rPr lang="en-US" sz="2400" dirty="0" smtClean="0"/>
+              <a:t> </a:t>
+            </a:r>
+            <a:r>
+              <a:rPr lang="en-US" sz="2400" dirty="0" err="1" smtClean="0"/>
+              <a:t>giá</a:t>
+            </a:r>
+            <a:r>
+              <a:rPr lang="en-US" sz="2400" dirty="0" smtClean="0"/>
+              <a:t> </a:t>
+            </a:r>
+            <a:r>
+              <a:rPr lang="en-US" sz="2400" dirty="0" err="1" smtClean="0"/>
+              <a:t>trị</a:t>
+            </a:r>
+            <a:r>
+              <a:rPr lang="en-US" sz="2400" dirty="0" smtClean="0"/>
+              <a:t> </a:t>
+            </a:r>
+            <a:r>
+              <a:rPr lang="en-US" sz="2400" dirty="0" err="1" smtClean="0"/>
+              <a:t>sao</a:t>
+            </a:r>
+            <a:r>
+              <a:rPr lang="en-US" sz="2400" dirty="0" smtClean="0"/>
+              <a:t> </a:t>
+            </a:r>
+            <a:r>
+              <a:rPr lang="en-US" sz="2400" dirty="0" err="1" smtClean="0"/>
+              <a:t>cho</a:t>
+            </a:r>
+            <a:r>
+              <a:rPr lang="en-US" sz="2400" dirty="0" smtClean="0"/>
+              <a:t> </a:t>
+            </a:r>
+            <a:r>
+              <a:rPr lang="en-US" sz="2400" dirty="0" err="1" smtClean="0"/>
+              <a:t>giá</a:t>
+            </a:r>
+            <a:r>
+              <a:rPr lang="en-US" sz="2400" dirty="0" smtClean="0"/>
+              <a:t> </a:t>
+            </a:r>
+            <a:r>
+              <a:rPr lang="en-US" sz="2400" dirty="0" err="1" smtClean="0"/>
+              <a:t>trị</a:t>
+            </a:r>
+            <a:r>
+              <a:rPr lang="en-US" sz="2400" dirty="0" smtClean="0"/>
+              <a:t> </a:t>
+            </a:r>
+            <a:r>
+              <a:rPr lang="en-US" sz="2400" dirty="0" err="1" smtClean="0"/>
+              <a:t>lớn</a:t>
+            </a:r>
+            <a:r>
+              <a:rPr lang="en-US" sz="2400" dirty="0" smtClean="0"/>
+              <a:t> </a:t>
+            </a:r>
+            <a:r>
+              <a:rPr lang="en-US" sz="2400" dirty="0" err="1" smtClean="0"/>
+              <a:t>nhất</a:t>
+            </a:r>
+            <a:r>
+              <a:rPr lang="en-US" sz="2400" dirty="0" smtClean="0"/>
+              <a:t> </a:t>
+            </a:r>
+            <a:r>
+              <a:rPr lang="en-US" sz="2400" dirty="0" err="1" smtClean="0"/>
+              <a:t>bằng</a:t>
+            </a:r>
+            <a:r>
+              <a:rPr lang="en-US" sz="2400" dirty="0" smtClean="0"/>
+              <a:t> 1.</a:t>
+            </a:r>
+            <a:endParaRPr lang="en-US" sz="2400" dirty="0"/>
+          </a:p>
+        </p:txBody>
+      </p:sp>
+    </p:spTree>
+    <p:extLst>
+      <p:ext uri="{BB962C8B-B14F-4D97-AF65-F5344CB8AC3E}">
+        <p14:creationId xmlns:p14="http://schemas.microsoft.com/office/powerpoint/2010/main" val="4094498126"/>
+      </p:ext>
+    </p:extLst>
+  </p:cSld>
+  <p:clrMapOvr>
+    <a:masterClrMapping/>
+  </p:clrMapOvr>
+  <p:timing>
+    <p:tnLst>
+      <p:par>
+        <p:cTn id="1" dur="indefinite" restart="never" nodeType="tmRoot"/>
+      </p:par>
+    </p:tnLst>
+  </p:timing>
+</p:sld>
+</file>
+
+<file path=ppt/slides/slide19.xml><?xml version="1.0" encoding="utf-8"?>
+<p:sld xmlns:a="http://schemas.openxmlformats.org/drawingml/2006/main" xmlns:r="http://schemas.openxmlformats.org/officeDocument/2006/relationships" xmlns:p="http://schemas.openxmlformats.org/presentationml/2006/main">
+  <p:cSld>
+    <p:spTree>
+      <p:nvGrpSpPr>
+        <p:cNvPr id="1" name=""/>
+        <p:cNvGrpSpPr/>
+        <p:nvPr/>
+      </p:nvGrpSpPr>
+      <p:grpSpPr>
+        <a:xfrm>
+          <a:off x="0" y="0"/>
+          <a:ext cx="0" cy="0"/>
+          <a:chOff x="0" y="0"/>
+          <a:chExt cx="0" cy="0"/>
+        </a:xfrm>
+      </p:grpSpPr>
       <p:sp>
         <p:nvSpPr>
           <p:cNvPr id="40962" name="Rectangle 2"/>
@@ -17712,7 +18581,7 @@
               <a:pPr>
                 <a:defRPr/>
               </a:pPr>
-              <a:t>18</a:t>
+              <a:t>19</a:t>
             </a:fld>
             <a:endParaRPr lang="vi-VN"/>
           </a:p>
@@ -22665,7 +23534,7 @@
   </a:extraClrSchemeLst>
   <a:extLst>
     <a:ext uri="{05A4C25C-085E-4340-85A3-A5531E510DB2}">
-      <thm15:themeFamily xmlns="" xmlns:thm15="http://schemas.microsoft.com/office/thememl/2012/main" name="Office Theme" id="{62F939B6-93AF-4DB8-9C6B-D6C7DFDC589F}" vid="{4A3C46E8-61CC-4603-A589-7422A47A8E4A}"/>
+      <thm15:themeFamily xmlns:thm15="http://schemas.microsoft.com/office/thememl/2012/main" xmlns="" name="Office Theme" id="{62F939B6-93AF-4DB8-9C6B-D6C7DFDC589F}" vid="{4A3C46E8-61CC-4603-A589-7422A47A8E4A}"/>
     </a:ext>
   </a:extLst>
 </a:theme>
@@ -22714,7 +23583,7 @@
     </a:clrScheme>
     <a:fontScheme name="Office">
       <a:majorFont>
-        <a:latin typeface="Calibri Light" panose="020F0302020204030204"/>
+        <a:latin typeface="Calibri Light"/>
         <a:ea typeface=""/>
         <a:cs typeface=""/>
         <a:font script="Jpan" typeface="ＭＳ Ｐゴシック"/>
@@ -22749,7 +23618,7 @@
         <a:font script="Geor" typeface="Sylfaen"/>
       </a:majorFont>
       <a:minorFont>
-        <a:latin typeface="Calibri" panose="020F0502020204030204"/>
+        <a:latin typeface="Calibri"/>
         <a:ea typeface=""/>
         <a:cs typeface=""/>
         <a:font script="Jpan" typeface="ＭＳ Ｐゴシック"/>
@@ -22926,7 +23795,7 @@
   <a:extraClrSchemeLst/>
   <a:extLst>
     <a:ext uri="{05A4C25C-085E-4340-85A3-A5531E510DB2}">
-      <thm15:themeFamily xmlns="" xmlns:thm15="http://schemas.microsoft.com/office/thememl/2012/main" name="Office Theme" id="{62F939B6-93AF-4DB8-9C6B-D6C7DFDC589F}" vid="{4A3C46E8-61CC-4603-A589-7422A47A8E4A}"/>
+      <thm15:themeFamily xmlns:thm15="http://schemas.microsoft.com/office/thememl/2012/main" xmlns="" name="Office Theme" id="{62F939B6-93AF-4DB8-9C6B-D6C7DFDC589F}" vid="{4A3C46E8-61CC-4603-A589-7422A47A8E4A}"/>
     </a:ext>
   </a:extLst>
 </a:theme>
